--- a/Presentation Aditya.pptx
+++ b/Presentation Aditya.pptx
@@ -6,11 +6,12 @@
   </p:sldMasterIdLst>
   <p:sldIdLst>
     <p:sldId id="256" r:id="rId2"/>
-    <p:sldId id="258" r:id="rId3"/>
-    <p:sldId id="259" r:id="rId4"/>
-    <p:sldId id="260" r:id="rId5"/>
-    <p:sldId id="261" r:id="rId6"/>
-    <p:sldId id="262" r:id="rId7"/>
+    <p:sldId id="263" r:id="rId3"/>
+    <p:sldId id="258" r:id="rId4"/>
+    <p:sldId id="262" r:id="rId5"/>
+    <p:sldId id="259" r:id="rId6"/>
+    <p:sldId id="260" r:id="rId7"/>
+    <p:sldId id="261" r:id="rId8"/>
   </p:sldIdLst>
   <p:sldSz cx="12192000" cy="6858000"/>
   <p:notesSz cx="6858000" cy="9144000"/>
@@ -109,6 +110,11 @@
       </a:defRPr>
     </a:lvl9pPr>
   </p:defaultTextStyle>
+  <p:extLst>
+    <p:ext uri="{EFAFB233-063F-42B5-8137-9DF3F51BA10A}">
+      <p15:sldGuideLst xmlns:p15="http://schemas.microsoft.com/office/powerpoint/2012/main"/>
+    </p:ext>
+  </p:extLst>
 </p:presentation>
 </file>
 
@@ -2981,8 +2987,8 @@
         </p:nvSpPr>
         <p:spPr>
           <a:xfrm>
-            <a:off x="1807464" y="64008"/>
-            <a:ext cx="9144000" cy="6079427"/>
+            <a:off x="1807464" y="1053049"/>
+            <a:ext cx="8919676" cy="4986612"/>
           </a:xfrm>
         </p:spPr>
         <p:txBody>
@@ -3086,7 +3092,7 @@
               </a:rPr>
             </a:br>
             <a:r>
-              <a:rPr lang="en-IN" sz="4000" dirty="0" smtClean="0">
+              <a:rPr lang="en-IN" dirty="0" smtClean="0">
                 <a:solidFill>
                   <a:schemeClr val="accent1">
                     <a:lumMod val="75000"/>
@@ -3095,10 +3101,22 @@
                 <a:latin typeface="Times New Roman" panose="02020603050405020304" pitchFamily="18" charset="0"/>
                 <a:cs typeface="Times New Roman" panose="02020603050405020304" pitchFamily="18" charset="0"/>
               </a:rPr>
-              <a:t>Members</a:t>
+              <a:t>Presented By Aditya</a:t>
+            </a:r>
+            <a:r>
+              <a:rPr lang="en-IN" dirty="0" smtClean="0">
+                <a:solidFill>
+                  <a:schemeClr val="accent1">
+                    <a:lumMod val="75000"/>
+                  </a:schemeClr>
+                </a:solidFill>
+                <a:latin typeface="Times New Roman" panose="02020603050405020304" pitchFamily="18" charset="0"/>
+                <a:cs typeface="Times New Roman" panose="02020603050405020304" pitchFamily="18" charset="0"/>
+              </a:rPr>
+              <a:t/>
             </a:r>
             <a:br>
-              <a:rPr lang="en-IN" sz="4000" dirty="0" smtClean="0">
+              <a:rPr lang="en-IN" dirty="0" smtClean="0">
                 <a:solidFill>
                   <a:schemeClr val="accent1">
                     <a:lumMod val="75000"/>
@@ -3108,146 +3126,6 @@
                 <a:cs typeface="Times New Roman" panose="02020603050405020304" pitchFamily="18" charset="0"/>
               </a:rPr>
             </a:br>
-            <a:r>
-              <a:rPr lang="en-IN" sz="4000" dirty="0" smtClean="0">
-                <a:solidFill>
-                  <a:schemeClr val="accent1">
-                    <a:lumMod val="75000"/>
-                  </a:schemeClr>
-                </a:solidFill>
-                <a:latin typeface="Times New Roman" panose="02020603050405020304" pitchFamily="18" charset="0"/>
-                <a:cs typeface="Times New Roman" panose="02020603050405020304" pitchFamily="18" charset="0"/>
-              </a:rPr>
-              <a:t>Aditya</a:t>
-            </a:r>
-            <a:br>
-              <a:rPr lang="en-IN" sz="4000" dirty="0" smtClean="0">
-                <a:solidFill>
-                  <a:schemeClr val="accent1">
-                    <a:lumMod val="75000"/>
-                  </a:schemeClr>
-                </a:solidFill>
-                <a:latin typeface="Times New Roman" panose="02020603050405020304" pitchFamily="18" charset="0"/>
-                <a:cs typeface="Times New Roman" panose="02020603050405020304" pitchFamily="18" charset="0"/>
-              </a:rPr>
-            </a:br>
-            <a:r>
-              <a:rPr lang="en-IN" sz="4000" dirty="0" err="1" smtClean="0">
-                <a:solidFill>
-                  <a:schemeClr val="accent1">
-                    <a:lumMod val="75000"/>
-                  </a:schemeClr>
-                </a:solidFill>
-                <a:latin typeface="Times New Roman" panose="02020603050405020304" pitchFamily="18" charset="0"/>
-                <a:cs typeface="Times New Roman" panose="02020603050405020304" pitchFamily="18" charset="0"/>
-              </a:rPr>
-              <a:t>Akshay</a:t>
-            </a:r>
-            <a:r>
-              <a:rPr lang="en-IN" sz="4000" dirty="0" smtClean="0">
-                <a:solidFill>
-                  <a:schemeClr val="accent1">
-                    <a:lumMod val="75000"/>
-                  </a:schemeClr>
-                </a:solidFill>
-                <a:latin typeface="Times New Roman" panose="02020603050405020304" pitchFamily="18" charset="0"/>
-                <a:cs typeface="Times New Roman" panose="02020603050405020304" pitchFamily="18" charset="0"/>
-              </a:rPr>
-              <a:t/>
-            </a:r>
-            <a:br>
-              <a:rPr lang="en-IN" sz="4000" dirty="0" smtClean="0">
-                <a:solidFill>
-                  <a:schemeClr val="accent1">
-                    <a:lumMod val="75000"/>
-                  </a:schemeClr>
-                </a:solidFill>
-                <a:latin typeface="Times New Roman" panose="02020603050405020304" pitchFamily="18" charset="0"/>
-                <a:cs typeface="Times New Roman" panose="02020603050405020304" pitchFamily="18" charset="0"/>
-              </a:rPr>
-            </a:br>
-            <a:r>
-              <a:rPr lang="en-IN" sz="4000" dirty="0" err="1" smtClean="0">
-                <a:solidFill>
-                  <a:schemeClr val="accent1">
-                    <a:lumMod val="75000"/>
-                  </a:schemeClr>
-                </a:solidFill>
-                <a:latin typeface="Times New Roman" panose="02020603050405020304" pitchFamily="18" charset="0"/>
-                <a:cs typeface="Times New Roman" panose="02020603050405020304" pitchFamily="18" charset="0"/>
-              </a:rPr>
-              <a:t>Aishwarya</a:t>
-            </a:r>
-            <a:r>
-              <a:rPr lang="en-IN" sz="4000" dirty="0" smtClean="0">
-                <a:solidFill>
-                  <a:schemeClr val="accent1">
-                    <a:lumMod val="75000"/>
-                  </a:schemeClr>
-                </a:solidFill>
-                <a:latin typeface="Times New Roman" panose="02020603050405020304" pitchFamily="18" charset="0"/>
-                <a:cs typeface="Times New Roman" panose="02020603050405020304" pitchFamily="18" charset="0"/>
-              </a:rPr>
-              <a:t/>
-            </a:r>
-            <a:br>
-              <a:rPr lang="en-IN" sz="4000" dirty="0" smtClean="0">
-                <a:solidFill>
-                  <a:schemeClr val="accent1">
-                    <a:lumMod val="75000"/>
-                  </a:schemeClr>
-                </a:solidFill>
-                <a:latin typeface="Times New Roman" panose="02020603050405020304" pitchFamily="18" charset="0"/>
-                <a:cs typeface="Times New Roman" panose="02020603050405020304" pitchFamily="18" charset="0"/>
-              </a:rPr>
-            </a:br>
-            <a:r>
-              <a:rPr lang="en-IN" sz="4000" dirty="0" err="1" smtClean="0">
-                <a:solidFill>
-                  <a:schemeClr val="accent1">
-                    <a:lumMod val="75000"/>
-                  </a:schemeClr>
-                </a:solidFill>
-                <a:latin typeface="Times New Roman" panose="02020603050405020304" pitchFamily="18" charset="0"/>
-                <a:cs typeface="Times New Roman" panose="02020603050405020304" pitchFamily="18" charset="0"/>
-              </a:rPr>
-              <a:t>Ayush</a:t>
-            </a:r>
-            <a:r>
-              <a:rPr lang="en-IN" sz="4000" dirty="0" smtClean="0">
-                <a:solidFill>
-                  <a:schemeClr val="accent1">
-                    <a:lumMod val="75000"/>
-                  </a:schemeClr>
-                </a:solidFill>
-                <a:latin typeface="Times New Roman" panose="02020603050405020304" pitchFamily="18" charset="0"/>
-                <a:cs typeface="Times New Roman" panose="02020603050405020304" pitchFamily="18" charset="0"/>
-              </a:rPr>
-              <a:t/>
-            </a:r>
-            <a:br>
-              <a:rPr lang="en-IN" sz="4000" dirty="0" smtClean="0">
-                <a:solidFill>
-                  <a:schemeClr val="accent1">
-                    <a:lumMod val="75000"/>
-                  </a:schemeClr>
-                </a:solidFill>
-                <a:latin typeface="Times New Roman" panose="02020603050405020304" pitchFamily="18" charset="0"/>
-                <a:cs typeface="Times New Roman" panose="02020603050405020304" pitchFamily="18" charset="0"/>
-              </a:rPr>
-            </a:br>
-            <a:r>
-              <a:rPr lang="en-IN" sz="4000" dirty="0" err="1" smtClean="0">
-                <a:solidFill>
-                  <a:schemeClr val="accent1">
-                    <a:lumMod val="75000"/>
-                  </a:schemeClr>
-                </a:solidFill>
-                <a:latin typeface="Times New Roman" panose="02020603050405020304" pitchFamily="18" charset="0"/>
-                <a:cs typeface="Times New Roman" panose="02020603050405020304" pitchFamily="18" charset="0"/>
-              </a:rPr>
-              <a:t>Samanway</a:t>
-            </a:r>
             <a:endParaRPr lang="en-IN" sz="4000" dirty="0">
               <a:solidFill>
                 <a:schemeClr val="accent1">
@@ -3270,10 +3148,231 @@
   <p:clrMapOvr>
     <a:masterClrMapping/>
   </p:clrMapOvr>
+  <p:timing>
+    <p:tnLst>
+      <p:par>
+        <p:cTn id="1" dur="indefinite" restart="never" nodeType="tmRoot"/>
+      </p:par>
+    </p:tnLst>
+  </p:timing>
 </p:sld>
 </file>
 
 <file path=ppt/slides/slide2.xml><?xml version="1.0" encoding="utf-8"?>
+<p:sld xmlns:a="http://schemas.openxmlformats.org/drawingml/2006/main" xmlns:r="http://schemas.openxmlformats.org/officeDocument/2006/relationships" xmlns:p="http://schemas.openxmlformats.org/presentationml/2006/main">
+  <p:cSld>
+    <p:spTree>
+      <p:nvGrpSpPr>
+        <p:cNvPr id="1" name=""/>
+        <p:cNvGrpSpPr/>
+        <p:nvPr/>
+      </p:nvGrpSpPr>
+      <p:grpSpPr>
+        <a:xfrm>
+          <a:off x="0" y="0"/>
+          <a:ext cx="0" cy="0"/>
+          <a:chOff x="0" y="0"/>
+          <a:chExt cx="0" cy="0"/>
+        </a:xfrm>
+      </p:grpSpPr>
+      <p:sp>
+        <p:nvSpPr>
+          <p:cNvPr id="2" name="Title 1"/>
+          <p:cNvSpPr>
+            <a:spLocks noGrp="1"/>
+          </p:cNvSpPr>
+          <p:nvPr>
+            <p:ph type="title"/>
+          </p:nvPr>
+        </p:nvSpPr>
+        <p:spPr>
+          <a:xfrm>
+            <a:off x="1315871" y="2617006"/>
+            <a:ext cx="10515600" cy="1325563"/>
+          </a:xfrm>
+        </p:spPr>
+        <p:txBody>
+          <a:bodyPr>
+            <a:normAutofit fontScale="90000"/>
+          </a:bodyPr>
+          <a:lstStyle/>
+          <a:p>
+            <a:r>
+              <a:rPr lang="en-IN" dirty="0">
+                <a:solidFill>
+                  <a:schemeClr val="accent1">
+                    <a:lumMod val="75000"/>
+                  </a:schemeClr>
+                </a:solidFill>
+                <a:latin typeface="Times New Roman" panose="02020603050405020304" pitchFamily="18" charset="0"/>
+                <a:cs typeface="Times New Roman" panose="02020603050405020304" pitchFamily="18" charset="0"/>
+              </a:rPr>
+              <a:t>Members</a:t>
+            </a:r>
+            <a:br>
+              <a:rPr lang="en-IN" dirty="0">
+                <a:solidFill>
+                  <a:schemeClr val="accent1">
+                    <a:lumMod val="75000"/>
+                  </a:schemeClr>
+                </a:solidFill>
+                <a:latin typeface="Times New Roman" panose="02020603050405020304" pitchFamily="18" charset="0"/>
+                <a:cs typeface="Times New Roman" panose="02020603050405020304" pitchFamily="18" charset="0"/>
+              </a:rPr>
+            </a:br>
+            <a:r>
+              <a:rPr lang="en-IN" dirty="0" smtClean="0">
+                <a:solidFill>
+                  <a:schemeClr val="accent1">
+                    <a:lumMod val="75000"/>
+                  </a:schemeClr>
+                </a:solidFill>
+                <a:latin typeface="Times New Roman" panose="02020603050405020304" pitchFamily="18" charset="0"/>
+                <a:cs typeface="Times New Roman" panose="02020603050405020304" pitchFamily="18" charset="0"/>
+              </a:rPr>
+              <a:t/>
+            </a:r>
+            <a:br>
+              <a:rPr lang="en-IN" dirty="0" smtClean="0">
+                <a:solidFill>
+                  <a:schemeClr val="accent1">
+                    <a:lumMod val="75000"/>
+                  </a:schemeClr>
+                </a:solidFill>
+                <a:latin typeface="Times New Roman" panose="02020603050405020304" pitchFamily="18" charset="0"/>
+                <a:cs typeface="Times New Roman" panose="02020603050405020304" pitchFamily="18" charset="0"/>
+              </a:rPr>
+            </a:br>
+            <a:r>
+              <a:rPr lang="en-IN" dirty="0" smtClean="0">
+                <a:solidFill>
+                  <a:schemeClr val="accent1">
+                    <a:lumMod val="75000"/>
+                  </a:schemeClr>
+                </a:solidFill>
+                <a:latin typeface="Times New Roman" panose="02020603050405020304" pitchFamily="18" charset="0"/>
+                <a:cs typeface="Times New Roman" panose="02020603050405020304" pitchFamily="18" charset="0"/>
+              </a:rPr>
+              <a:t>Akshay</a:t>
+            </a:r>
+            <a:r>
+              <a:rPr lang="en-IN" dirty="0">
+                <a:solidFill>
+                  <a:schemeClr val="accent1">
+                    <a:lumMod val="75000"/>
+                  </a:schemeClr>
+                </a:solidFill>
+                <a:latin typeface="Times New Roman" panose="02020603050405020304" pitchFamily="18" charset="0"/>
+                <a:cs typeface="Times New Roman" panose="02020603050405020304" pitchFamily="18" charset="0"/>
+              </a:rPr>
+              <a:t/>
+            </a:r>
+            <a:br>
+              <a:rPr lang="en-IN" dirty="0">
+                <a:solidFill>
+                  <a:schemeClr val="accent1">
+                    <a:lumMod val="75000"/>
+                  </a:schemeClr>
+                </a:solidFill>
+                <a:latin typeface="Times New Roman" panose="02020603050405020304" pitchFamily="18" charset="0"/>
+                <a:cs typeface="Times New Roman" panose="02020603050405020304" pitchFamily="18" charset="0"/>
+              </a:rPr>
+            </a:br>
+            <a:r>
+              <a:rPr lang="en-IN" dirty="0" err="1">
+                <a:solidFill>
+                  <a:schemeClr val="accent1">
+                    <a:lumMod val="75000"/>
+                  </a:schemeClr>
+                </a:solidFill>
+                <a:latin typeface="Times New Roman" panose="02020603050405020304" pitchFamily="18" charset="0"/>
+                <a:cs typeface="Times New Roman" panose="02020603050405020304" pitchFamily="18" charset="0"/>
+              </a:rPr>
+              <a:t>Aishwarya</a:t>
+            </a:r>
+            <a:r>
+              <a:rPr lang="en-IN" dirty="0">
+                <a:solidFill>
+                  <a:schemeClr val="accent1">
+                    <a:lumMod val="75000"/>
+                  </a:schemeClr>
+                </a:solidFill>
+                <a:latin typeface="Times New Roman" panose="02020603050405020304" pitchFamily="18" charset="0"/>
+                <a:cs typeface="Times New Roman" panose="02020603050405020304" pitchFamily="18" charset="0"/>
+              </a:rPr>
+              <a:t/>
+            </a:r>
+            <a:br>
+              <a:rPr lang="en-IN" dirty="0">
+                <a:solidFill>
+                  <a:schemeClr val="accent1">
+                    <a:lumMod val="75000"/>
+                  </a:schemeClr>
+                </a:solidFill>
+                <a:latin typeface="Times New Roman" panose="02020603050405020304" pitchFamily="18" charset="0"/>
+                <a:cs typeface="Times New Roman" panose="02020603050405020304" pitchFamily="18" charset="0"/>
+              </a:rPr>
+            </a:br>
+            <a:r>
+              <a:rPr lang="en-IN" dirty="0">
+                <a:solidFill>
+                  <a:schemeClr val="accent1">
+                    <a:lumMod val="75000"/>
+                  </a:schemeClr>
+                </a:solidFill>
+                <a:latin typeface="Times New Roman" panose="02020603050405020304" pitchFamily="18" charset="0"/>
+                <a:cs typeface="Times New Roman" panose="02020603050405020304" pitchFamily="18" charset="0"/>
+              </a:rPr>
+              <a:t>Ayush</a:t>
+            </a:r>
+            <a:br>
+              <a:rPr lang="en-IN" dirty="0">
+                <a:solidFill>
+                  <a:schemeClr val="accent1">
+                    <a:lumMod val="75000"/>
+                  </a:schemeClr>
+                </a:solidFill>
+                <a:latin typeface="Times New Roman" panose="02020603050405020304" pitchFamily="18" charset="0"/>
+                <a:cs typeface="Times New Roman" panose="02020603050405020304" pitchFamily="18" charset="0"/>
+              </a:rPr>
+            </a:br>
+            <a:r>
+              <a:rPr lang="en-IN" dirty="0">
+                <a:solidFill>
+                  <a:schemeClr val="accent1">
+                    <a:lumMod val="75000"/>
+                  </a:schemeClr>
+                </a:solidFill>
+                <a:latin typeface="Times New Roman" panose="02020603050405020304" pitchFamily="18" charset="0"/>
+                <a:cs typeface="Times New Roman" panose="02020603050405020304" pitchFamily="18" charset="0"/>
+              </a:rPr>
+              <a:t>Samanway</a:t>
+            </a:r>
+            <a:endParaRPr lang="en-IN" dirty="0"/>
+          </a:p>
+        </p:txBody>
+      </p:sp>
+    </p:spTree>
+    <p:extLst>
+      <p:ext uri="{BB962C8B-B14F-4D97-AF65-F5344CB8AC3E}">
+        <p14:creationId xmlns:p14="http://schemas.microsoft.com/office/powerpoint/2010/main" val="3237907625"/>
+      </p:ext>
+    </p:extLst>
+  </p:cSld>
+  <p:clrMapOvr>
+    <a:masterClrMapping/>
+  </p:clrMapOvr>
+  <p:timing>
+    <p:tnLst>
+      <p:par>
+        <p:cTn id="1" dur="indefinite" restart="never" nodeType="tmRoot"/>
+      </p:par>
+    </p:tnLst>
+  </p:timing>
+</p:sld>
+</file>
+
+<file path=ppt/slides/slide3.xml><?xml version="1.0" encoding="utf-8"?>
 <p:sld xmlns:a="http://schemas.openxmlformats.org/drawingml/2006/main" xmlns:r="http://schemas.openxmlformats.org/officeDocument/2006/relationships" xmlns:p="http://schemas.openxmlformats.org/presentationml/2006/main">
   <p:cSld>
     <p:spTree>
@@ -3387,7 +3486,7 @@
 </p:sld>
 </file>
 
-<file path=ppt/slides/slide3.xml><?xml version="1.0" encoding="utf-8"?>
+<file path=ppt/slides/slide4.xml><?xml version="1.0" encoding="utf-8"?>
 <p:sld xmlns:a="http://schemas.openxmlformats.org/drawingml/2006/main" xmlns:r="http://schemas.openxmlformats.org/officeDocument/2006/relationships" xmlns:p="http://schemas.openxmlformats.org/presentationml/2006/main">
   <p:cSld>
     <p:spTree>
@@ -3416,7 +3515,98 @@
         </p:nvSpPr>
         <p:spPr>
           <a:xfrm>
-            <a:off x="1188720" y="5321173"/>
+            <a:off x="1063752" y="292609"/>
+            <a:ext cx="10515600" cy="1207007"/>
+          </a:xfrm>
+        </p:spPr>
+        <p:txBody>
+          <a:bodyPr/>
+          <a:lstStyle/>
+          <a:p>
+            <a:pPr algn="ctr"/>
+            <a:r>
+              <a:rPr lang="en-IN" dirty="0" smtClean="0"/>
+              <a:t>Class Diagram</a:t>
+            </a:r>
+            <a:endParaRPr lang="en-IN" dirty="0"/>
+          </a:p>
+        </p:txBody>
+      </p:sp>
+      <p:pic>
+        <p:nvPicPr>
+          <p:cNvPr id="4" name="Content Placeholder 3"/>
+          <p:cNvPicPr>
+            <a:picLocks noGrp="1" noChangeAspect="1"/>
+          </p:cNvPicPr>
+          <p:nvPr>
+            <p:ph idx="1"/>
+          </p:nvPr>
+        </p:nvPicPr>
+        <p:blipFill rotWithShape="1">
+          <a:blip r:embed="rId2"/>
+          <a:srcRect l="-79" t="22350" r="1025" b="30579"/>
+          <a:stretch/>
+        </p:blipFill>
+        <p:spPr>
+          <a:xfrm>
+            <a:off x="-225634" y="1901952"/>
+            <a:ext cx="12417634" cy="3319272"/>
+          </a:xfrm>
+          <a:prstGeom prst="rect">
+            <a:avLst/>
+          </a:prstGeom>
+        </p:spPr>
+      </p:pic>
+    </p:spTree>
+    <p:extLst>
+      <p:ext uri="{BB962C8B-B14F-4D97-AF65-F5344CB8AC3E}">
+        <p14:creationId xmlns:p14="http://schemas.microsoft.com/office/powerpoint/2010/main" val="3681764524"/>
+      </p:ext>
+    </p:extLst>
+  </p:cSld>
+  <p:clrMapOvr>
+    <a:masterClrMapping/>
+  </p:clrMapOvr>
+  <p:timing>
+    <p:tnLst>
+      <p:par>
+        <p:cTn id="1" dur="indefinite" restart="never" nodeType="tmRoot"/>
+      </p:par>
+    </p:tnLst>
+  </p:timing>
+</p:sld>
+</file>
+
+<file path=ppt/slides/slide5.xml><?xml version="1.0" encoding="utf-8"?>
+<p:sld xmlns:a="http://schemas.openxmlformats.org/drawingml/2006/main" xmlns:r="http://schemas.openxmlformats.org/officeDocument/2006/relationships" xmlns:p="http://schemas.openxmlformats.org/presentationml/2006/main">
+  <p:cSld>
+    <p:spTree>
+      <p:nvGrpSpPr>
+        <p:cNvPr id="1" name=""/>
+        <p:cNvGrpSpPr/>
+        <p:nvPr/>
+      </p:nvGrpSpPr>
+      <p:grpSpPr>
+        <a:xfrm>
+          <a:off x="0" y="0"/>
+          <a:ext cx="0" cy="0"/>
+          <a:chOff x="0" y="0"/>
+          <a:chExt cx="0" cy="0"/>
+        </a:xfrm>
+      </p:grpSpPr>
+      <p:sp>
+        <p:nvSpPr>
+          <p:cNvPr id="2" name="Title 1"/>
+          <p:cNvSpPr>
+            <a:spLocks noGrp="1"/>
+          </p:cNvSpPr>
+          <p:nvPr>
+            <p:ph type="title"/>
+          </p:nvPr>
+        </p:nvSpPr>
+        <p:spPr>
+          <a:xfrm>
+            <a:off x="1329019" y="1059020"/>
             <a:ext cx="10323576" cy="256667"/>
           </a:xfrm>
         </p:spPr>
@@ -3435,7 +3625,15 @@
             </a:br>
             <a:r>
               <a:rPr lang="en-IN" sz="3600" dirty="0" smtClean="0"/>
-              <a:t>Bank Employee Adding account and generating account Number.</a:t>
+              <a:t>Bank </a:t>
+            </a:r>
+            <a:r>
+              <a:rPr lang="en-IN" sz="3200" dirty="0" smtClean="0"/>
+              <a:t>Employee</a:t>
+            </a:r>
+            <a:r>
+              <a:rPr lang="en-IN" sz="3600" dirty="0" smtClean="0"/>
+              <a:t> Adding account and generating account Number.</a:t>
             </a:r>
             <a:endParaRPr lang="en-IN" sz="3600" dirty="0"/>
           </a:p>
@@ -3458,8 +3656,8 @@
         </p:blipFill>
         <p:spPr>
           <a:xfrm>
-            <a:off x="1856232" y="585215"/>
-            <a:ext cx="7287768" cy="3654729"/>
+            <a:off x="1329019" y="2320120"/>
+            <a:ext cx="7883220" cy="3953341"/>
           </a:xfrm>
           <a:prstGeom prst="rect">
             <a:avLst/>
@@ -3486,205 +3684,6 @@
 </p:sld>
 </file>
 
-<file path=ppt/slides/slide4.xml><?xml version="1.0" encoding="utf-8"?>
-<p:sld xmlns:a="http://schemas.openxmlformats.org/drawingml/2006/main" xmlns:r="http://schemas.openxmlformats.org/officeDocument/2006/relationships" xmlns:p="http://schemas.openxmlformats.org/presentationml/2006/main">
-  <p:cSld>
-    <p:spTree>
-      <p:nvGrpSpPr>
-        <p:cNvPr id="1" name=""/>
-        <p:cNvGrpSpPr/>
-        <p:nvPr/>
-      </p:nvGrpSpPr>
-      <p:grpSpPr>
-        <a:xfrm>
-          <a:off x="0" y="0"/>
-          <a:ext cx="0" cy="0"/>
-          <a:chOff x="0" y="0"/>
-          <a:chExt cx="0" cy="0"/>
-        </a:xfrm>
-      </p:grpSpPr>
-      <p:sp>
-        <p:nvSpPr>
-          <p:cNvPr id="2" name="Title 1"/>
-          <p:cNvSpPr>
-            <a:spLocks noGrp="1"/>
-          </p:cNvSpPr>
-          <p:nvPr>
-            <p:ph type="title"/>
-          </p:nvPr>
-        </p:nvSpPr>
-        <p:spPr>
-          <a:xfrm>
-            <a:off x="1112520" y="5165725"/>
-            <a:ext cx="10515600" cy="1325563"/>
-          </a:xfrm>
-        </p:spPr>
-        <p:txBody>
-          <a:bodyPr>
-            <a:normAutofit fontScale="90000"/>
-          </a:bodyPr>
-          <a:lstStyle/>
-          <a:p>
-            <a:r>
-              <a:rPr lang="en-IN" sz="3600" dirty="0" smtClean="0"/>
-              <a:t>Use Case </a:t>
-            </a:r>
-            <a:br>
-              <a:rPr lang="en-IN" sz="3600" dirty="0" smtClean="0"/>
-            </a:br>
-            <a:r>
-              <a:rPr lang="en-IN" sz="3600" dirty="0" smtClean="0"/>
-              <a:t>Bank Employee changing Home branch of customer based on </a:t>
-            </a:r>
-            <a:r>
-              <a:rPr lang="en-IN" sz="3600" dirty="0" err="1" smtClean="0"/>
-              <a:t>CustomerID</a:t>
-            </a:r>
-            <a:r>
-              <a:rPr lang="en-IN" sz="3600" dirty="0" smtClean="0"/>
-              <a:t>.</a:t>
-            </a:r>
-            <a:br>
-              <a:rPr lang="en-IN" sz="3600" dirty="0" smtClean="0"/>
-            </a:br>
-            <a:r>
-              <a:rPr lang="en-IN" sz="3600" dirty="0" smtClean="0"/>
-              <a:t> </a:t>
-            </a:r>
-            <a:endParaRPr lang="en-IN" sz="3600" dirty="0"/>
-          </a:p>
-        </p:txBody>
-      </p:sp>
-      <p:pic>
-        <p:nvPicPr>
-          <p:cNvPr id="4" name="Content Placeholder 3"/>
-          <p:cNvPicPr>
-            <a:picLocks noGrp="1" noChangeAspect="1"/>
-          </p:cNvPicPr>
-          <p:nvPr>
-            <p:ph idx="1"/>
-          </p:nvPr>
-        </p:nvPicPr>
-        <p:blipFill rotWithShape="1">
-          <a:blip r:embed="rId2"/>
-          <a:srcRect l="15641" t="20456" r="3152" b="9146"/>
-          <a:stretch/>
-        </p:blipFill>
-        <p:spPr>
-          <a:xfrm>
-            <a:off x="1878887" y="794576"/>
-            <a:ext cx="6844489" cy="3337560"/>
-          </a:xfrm>
-          <a:prstGeom prst="rect">
-            <a:avLst/>
-          </a:prstGeom>
-        </p:spPr>
-      </p:pic>
-    </p:spTree>
-    <p:extLst>
-      <p:ext uri="{BB962C8B-B14F-4D97-AF65-F5344CB8AC3E}">
-        <p14:creationId xmlns:p14="http://schemas.microsoft.com/office/powerpoint/2010/main" val="54643108"/>
-      </p:ext>
-    </p:extLst>
-  </p:cSld>
-  <p:clrMapOvr>
-    <a:masterClrMapping/>
-  </p:clrMapOvr>
-</p:sld>
-</file>
-
-<file path=ppt/slides/slide5.xml><?xml version="1.0" encoding="utf-8"?>
-<p:sld xmlns:a="http://schemas.openxmlformats.org/drawingml/2006/main" xmlns:r="http://schemas.openxmlformats.org/officeDocument/2006/relationships" xmlns:p="http://schemas.openxmlformats.org/presentationml/2006/main">
-  <p:cSld>
-    <p:spTree>
-      <p:nvGrpSpPr>
-        <p:cNvPr id="1" name=""/>
-        <p:cNvGrpSpPr/>
-        <p:nvPr/>
-      </p:nvGrpSpPr>
-      <p:grpSpPr>
-        <a:xfrm>
-          <a:off x="0" y="0"/>
-          <a:ext cx="0" cy="0"/>
-          <a:chOff x="0" y="0"/>
-          <a:chExt cx="0" cy="0"/>
-        </a:xfrm>
-      </p:grpSpPr>
-      <p:sp>
-        <p:nvSpPr>
-          <p:cNvPr id="2" name="Title 1"/>
-          <p:cNvSpPr>
-            <a:spLocks noGrp="1"/>
-          </p:cNvSpPr>
-          <p:nvPr>
-            <p:ph type="title"/>
-          </p:nvPr>
-        </p:nvSpPr>
-        <p:spPr>
-          <a:xfrm>
-            <a:off x="1588008" y="5760085"/>
-            <a:ext cx="10515600" cy="1325563"/>
-          </a:xfrm>
-        </p:spPr>
-        <p:txBody>
-          <a:bodyPr>
-            <a:normAutofit/>
-          </a:bodyPr>
-          <a:lstStyle/>
-          <a:p>
-            <a:r>
-              <a:rPr lang="en-IN" sz="3600" dirty="0" smtClean="0"/>
-              <a:t>Use case </a:t>
-            </a:r>
-            <a:br>
-              <a:rPr lang="en-IN" sz="3600" dirty="0" smtClean="0"/>
-            </a:br>
-            <a:r>
-              <a:rPr lang="en-IN" sz="3600" dirty="0" smtClean="0"/>
-              <a:t>Bank Employee Deleting Account and</a:t>
-            </a:r>
-            <a:endParaRPr lang="en-IN" sz="3600" dirty="0"/>
-          </a:p>
-        </p:txBody>
-      </p:sp>
-      <p:pic>
-        <p:nvPicPr>
-          <p:cNvPr id="4" name="Content Placeholder 3"/>
-          <p:cNvPicPr>
-            <a:picLocks noGrp="1" noChangeAspect="1"/>
-          </p:cNvPicPr>
-          <p:nvPr>
-            <p:ph idx="1"/>
-          </p:nvPr>
-        </p:nvPicPr>
-        <p:blipFill rotWithShape="1">
-          <a:blip r:embed="rId2"/>
-          <a:srcRect l="14814" t="22347" r="3035" b="9356"/>
-          <a:stretch/>
-        </p:blipFill>
-        <p:spPr>
-          <a:xfrm>
-            <a:off x="2084832" y="684848"/>
-            <a:ext cx="7293676" cy="3410712"/>
-          </a:xfrm>
-          <a:prstGeom prst="rect">
-            <a:avLst/>
-          </a:prstGeom>
-        </p:spPr>
-      </p:pic>
-    </p:spTree>
-    <p:extLst>
-      <p:ext uri="{BB962C8B-B14F-4D97-AF65-F5344CB8AC3E}">
-        <p14:creationId xmlns:p14="http://schemas.microsoft.com/office/powerpoint/2010/main" val="1705383970"/>
-      </p:ext>
-    </p:extLst>
-  </p:cSld>
-  <p:clrMapOvr>
-    <a:masterClrMapping/>
-  </p:clrMapOvr>
-</p:sld>
-</file>
-
 <file path=ppt/slides/slide6.xml><?xml version="1.0" encoding="utf-8"?>
 <p:sld xmlns:a="http://schemas.openxmlformats.org/drawingml/2006/main" xmlns:r="http://schemas.openxmlformats.org/officeDocument/2006/relationships" xmlns:p="http://schemas.openxmlformats.org/presentationml/2006/main">
   <p:cSld>
@@ -3714,20 +3713,43 @@
         </p:nvSpPr>
         <p:spPr>
           <a:xfrm>
-            <a:off x="1063752" y="292609"/>
-            <a:ext cx="10515600" cy="1207007"/>
+            <a:off x="1676400" y="893975"/>
+            <a:ext cx="10515600" cy="1325563"/>
           </a:xfrm>
         </p:spPr>
         <p:txBody>
-          <a:bodyPr/>
-          <a:lstStyle/>
-          <a:p>
-            <a:pPr algn="ctr"/>
-            <a:r>
-              <a:rPr lang="en-IN" dirty="0" smtClean="0"/>
-              <a:t>Class Diagram</a:t>
-            </a:r>
-            <a:endParaRPr lang="en-IN" dirty="0"/>
+          <a:bodyPr>
+            <a:normAutofit fontScale="90000"/>
+          </a:bodyPr>
+          <a:lstStyle/>
+          <a:p>
+            <a:r>
+              <a:rPr lang="en-IN" sz="3600" dirty="0" smtClean="0"/>
+              <a:t>Use Case </a:t>
+            </a:r>
+            <a:br>
+              <a:rPr lang="en-IN" sz="3600" dirty="0" smtClean="0"/>
+            </a:br>
+            <a:r>
+              <a:rPr lang="en-IN" sz="3600" dirty="0" smtClean="0"/>
+              <a:t>Bank Employee changing Home branch of customer based on </a:t>
+            </a:r>
+            <a:r>
+              <a:rPr lang="en-IN" sz="3600" dirty="0" err="1" smtClean="0"/>
+              <a:t>CustomerID</a:t>
+            </a:r>
+            <a:r>
+              <a:rPr lang="en-IN" sz="3600" dirty="0" smtClean="0"/>
+              <a:t>.</a:t>
+            </a:r>
+            <a:br>
+              <a:rPr lang="en-IN" sz="3600" dirty="0" smtClean="0"/>
+            </a:br>
+            <a:r>
+              <a:rPr lang="en-IN" sz="3600" dirty="0" smtClean="0"/>
+              <a:t> </a:t>
+            </a:r>
+            <a:endParaRPr lang="en-IN" sz="3600" dirty="0"/>
           </a:p>
         </p:txBody>
       </p:sp>
@@ -3743,13 +3765,13 @@
         </p:nvPicPr>
         <p:blipFill rotWithShape="1">
           <a:blip r:embed="rId2"/>
-          <a:srcRect l="-79" t="22350" r="1025" b="30579"/>
+          <a:srcRect l="15641" t="20456" r="3152" b="9146"/>
           <a:stretch/>
         </p:blipFill>
         <p:spPr>
           <a:xfrm>
-            <a:off x="-103673" y="1901952"/>
-            <a:ext cx="12417634" cy="3319272"/>
+            <a:off x="1676400" y="2511187"/>
+            <a:ext cx="7158522" cy="3490691"/>
           </a:xfrm>
           <a:prstGeom prst="rect">
             <a:avLst/>
@@ -3759,13 +3781,119 @@
     </p:spTree>
     <p:extLst>
       <p:ext uri="{BB962C8B-B14F-4D97-AF65-F5344CB8AC3E}">
-        <p14:creationId xmlns:p14="http://schemas.microsoft.com/office/powerpoint/2010/main" val="3681764524"/>
+        <p14:creationId xmlns:p14="http://schemas.microsoft.com/office/powerpoint/2010/main" val="54643108"/>
       </p:ext>
     </p:extLst>
   </p:cSld>
   <p:clrMapOvr>
     <a:masterClrMapping/>
   </p:clrMapOvr>
+  <p:timing>
+    <p:tnLst>
+      <p:par>
+        <p:cTn id="1" dur="indefinite" restart="never" nodeType="tmRoot"/>
+      </p:par>
+    </p:tnLst>
+  </p:timing>
+</p:sld>
+</file>
+
+<file path=ppt/slides/slide7.xml><?xml version="1.0" encoding="utf-8"?>
+<p:sld xmlns:a="http://schemas.openxmlformats.org/drawingml/2006/main" xmlns:r="http://schemas.openxmlformats.org/officeDocument/2006/relationships" xmlns:p="http://schemas.openxmlformats.org/presentationml/2006/main">
+  <p:cSld>
+    <p:spTree>
+      <p:nvGrpSpPr>
+        <p:cNvPr id="1" name=""/>
+        <p:cNvGrpSpPr/>
+        <p:nvPr/>
+      </p:nvGrpSpPr>
+      <p:grpSpPr>
+        <a:xfrm>
+          <a:off x="0" y="0"/>
+          <a:ext cx="0" cy="0"/>
+          <a:chOff x="0" y="0"/>
+          <a:chExt cx="0" cy="0"/>
+        </a:xfrm>
+      </p:grpSpPr>
+      <p:sp>
+        <p:nvSpPr>
+          <p:cNvPr id="2" name="Title 1"/>
+          <p:cNvSpPr>
+            <a:spLocks noGrp="1"/>
+          </p:cNvSpPr>
+          <p:nvPr>
+            <p:ph type="title"/>
+          </p:nvPr>
+        </p:nvSpPr>
+        <p:spPr>
+          <a:xfrm>
+            <a:off x="1839271" y="724061"/>
+            <a:ext cx="10515600" cy="1325563"/>
+          </a:xfrm>
+        </p:spPr>
+        <p:txBody>
+          <a:bodyPr>
+            <a:normAutofit/>
+          </a:bodyPr>
+          <a:lstStyle/>
+          <a:p>
+            <a:r>
+              <a:rPr lang="en-IN" sz="3600" dirty="0" smtClean="0"/>
+              <a:t>Use case </a:t>
+            </a:r>
+            <a:br>
+              <a:rPr lang="en-IN" sz="3600" dirty="0" smtClean="0"/>
+            </a:br>
+            <a:r>
+              <a:rPr lang="en-IN" sz="3600" dirty="0" smtClean="0"/>
+              <a:t>Bank Employee Deleting Account and</a:t>
+            </a:r>
+            <a:endParaRPr lang="en-IN" sz="3600" dirty="0"/>
+          </a:p>
+        </p:txBody>
+      </p:sp>
+      <p:pic>
+        <p:nvPicPr>
+          <p:cNvPr id="4" name="Content Placeholder 3"/>
+          <p:cNvPicPr>
+            <a:picLocks noGrp="1" noChangeAspect="1"/>
+          </p:cNvPicPr>
+          <p:nvPr>
+            <p:ph idx="1"/>
+          </p:nvPr>
+        </p:nvPicPr>
+        <p:blipFill rotWithShape="1">
+          <a:blip r:embed="rId2"/>
+          <a:srcRect l="14814" t="22347" r="3035" b="9356"/>
+          <a:stretch/>
+        </p:blipFill>
+        <p:spPr>
+          <a:xfrm>
+            <a:off x="1839271" y="2634018"/>
+            <a:ext cx="7619973" cy="3563297"/>
+          </a:xfrm>
+          <a:prstGeom prst="rect">
+            <a:avLst/>
+          </a:prstGeom>
+        </p:spPr>
+      </p:pic>
+    </p:spTree>
+    <p:extLst>
+      <p:ext uri="{BB962C8B-B14F-4D97-AF65-F5344CB8AC3E}">
+        <p14:creationId xmlns:p14="http://schemas.microsoft.com/office/powerpoint/2010/main" val="1705383970"/>
+      </p:ext>
+    </p:extLst>
+  </p:cSld>
+  <p:clrMapOvr>
+    <a:masterClrMapping/>
+  </p:clrMapOvr>
+  <p:timing>
+    <p:tnLst>
+      <p:par>
+        <p:cTn id="1" dur="indefinite" restart="never" nodeType="tmRoot"/>
+      </p:par>
+    </p:tnLst>
+  </p:timing>
 </p:sld>
 </file>
 
